--- a/Bank documents/BankPresentation.pptx
+++ b/Bank documents/BankPresentation.pptx
@@ -3533,7 +3533,7 @@
                 <a16:creationId xmlns:a16="http://schemas.microsoft.com/office/drawing/2014/main" id="{2B940646-DE40-4E0F-AE42-6530784C9A7D}"/>
               </a:ext>
               <a:ext uri="{C183D7F6-B498-43B3-948B-1728B52AA6E4}">
-                <adec:decorative xmlns:adec="http://schemas.microsoft.com/office/drawing/2017/decorative" xmlns="" val="1"/>
+                <adec:decorative xmlns="" xmlns:adec="http://schemas.microsoft.com/office/drawing/2017/decorative" val="1"/>
               </a:ext>
             </a:extLst>
           </p:cNvPr>
@@ -5526,7 +5526,7 @@
                 <a16:creationId xmlns:a16="http://schemas.microsoft.com/office/drawing/2014/main" id="{AEACA101-2521-41AA-8F51-FF0BF783E493}"/>
               </a:ext>
               <a:ext uri="{C183D7F6-B498-43B3-948B-1728B52AA6E4}">
-                <adec:decorative xmlns:adec="http://schemas.microsoft.com/office/drawing/2017/decorative" xmlns="" val="1"/>
+                <adec:decorative xmlns="" xmlns:adec="http://schemas.microsoft.com/office/drawing/2017/decorative" val="1"/>
               </a:ext>
             </a:extLst>
           </p:cNvPr>
@@ -25537,7 +25537,7 @@
                 <a16:creationId xmlns:a16="http://schemas.microsoft.com/office/drawing/2014/main" id="{7FE1F4E8-B411-4807-9D24-A045EE06CFD9}"/>
               </a:ext>
               <a:ext uri="{C183D7F6-B498-43B3-948B-1728B52AA6E4}">
-                <adec:decorative xmlns:adec="http://schemas.microsoft.com/office/drawing/2017/decorative" xmlns="" val="1"/>
+                <adec:decorative xmlns="" xmlns:adec="http://schemas.microsoft.com/office/drawing/2017/decorative" val="1"/>
               </a:ext>
             </a:extLst>
           </p:cNvPr>
@@ -25585,7 +25585,7 @@
                 <a16:creationId xmlns:a16="http://schemas.microsoft.com/office/drawing/2014/main" id="{8C3F648E-45E5-403C-973E-2BEED634B269}"/>
               </a:ext>
               <a:ext uri="{C183D7F6-B498-43B3-948B-1728B52AA6E4}">
-                <adec:decorative xmlns:adec="http://schemas.microsoft.com/office/drawing/2017/decorative" xmlns="" val="1"/>
+                <adec:decorative xmlns="" xmlns:adec="http://schemas.microsoft.com/office/drawing/2017/decorative" val="1"/>
               </a:ext>
             </a:extLst>
           </p:cNvPr>
@@ -29189,11 +29189,7 @@
           <a:p>
             <a:r>
               <a:rPr lang="en-US" dirty="0" smtClean="0"/>
-              <a:t>Bank Management</a:t>
-            </a:r>
-            <a:r>
-              <a:rPr lang="en-US" dirty="0" smtClean="0"/>
-              <a:t> </a:t>
+              <a:t>Bank Management </a:t>
             </a:r>
             <a:r>
               <a:rPr lang="en-US" dirty="0"/>
@@ -29270,7 +29266,7 @@
                 <a16:creationId xmlns:a16="http://schemas.microsoft.com/office/drawing/2014/main" id="{B6D0B8EE-8E06-4051-87BF-62C153F3FBBB}"/>
               </a:ext>
               <a:ext uri="{C183D7F6-B498-43B3-948B-1728B52AA6E4}">
-                <adec:decorative xmlns:adec="http://schemas.microsoft.com/office/drawing/2017/decorative" xmlns="" val="1"/>
+                <adec:decorative xmlns="" xmlns:adec="http://schemas.microsoft.com/office/drawing/2017/decorative" val="1"/>
               </a:ext>
             </a:extLst>
           </p:cNvPr>
@@ -29486,7 +29482,7 @@
                 <a14:useLocalDpi xmlns:a14="http://schemas.microsoft.com/office/drawing/2010/main"/>
               </a:ext>
               <a:ext uri="{96DAC541-7B7A-43D3-8B79-37D633B846F1}">
-                <asvg:svgBlip xmlns:asvg="http://schemas.microsoft.com/office/drawing/2016/SVG/main" xmlns="" r:embed="rId5"/>
+                <asvg:svgBlip xmlns="" xmlns:asvg="http://schemas.microsoft.com/office/drawing/2016/SVG/main" r:embed="rId5"/>
               </a:ext>
             </a:extLst>
           </a:blip>
@@ -29838,7 +29834,7 @@
       </p:sp>
       <p:pic>
         <p:nvPicPr>
-          <p:cNvPr id="16" name="Picture 15"/>
+          <p:cNvPr id="8" name="Picture 7"/>
           <p:cNvPicPr>
             <a:picLocks noChangeAspect="1"/>
           </p:cNvPicPr>
@@ -29858,8 +29854,8 @@
         </p:blipFill>
         <p:spPr>
           <a:xfrm>
-            <a:off x="6658968" y="1671804"/>
-            <a:ext cx="4591691" cy="3448531"/>
+            <a:off x="6672558" y="1384686"/>
+            <a:ext cx="3501456" cy="4554258"/>
           </a:xfrm>
           <a:prstGeom prst="rect">
             <a:avLst/>
@@ -29962,7 +29958,7 @@
                 <a14:useLocalDpi xmlns:a14="http://schemas.microsoft.com/office/drawing/2010/main"/>
               </a:ext>
               <a:ext uri="{96DAC541-7B7A-43D3-8B79-37D633B846F1}">
-                <asvg:svgBlip xmlns:asvg="http://schemas.microsoft.com/office/drawing/2016/SVG/main" xmlns="" r:embed="rId5"/>
+                <asvg:svgBlip xmlns="" xmlns:asvg="http://schemas.microsoft.com/office/drawing/2016/SVG/main" r:embed="rId5"/>
               </a:ext>
             </a:extLst>
           </a:blip>
@@ -30045,11 +30041,7 @@
             </a:pPr>
             <a:r>
               <a:rPr lang="en-US" dirty="0" smtClean="0"/>
-              <a:t>How to create a wizard that wil</a:t>
-            </a:r>
-            <a:r>
-              <a:rPr lang="en-US" dirty="0" smtClean="0"/>
-              <a:t>l require to enter new customer information step by step?</a:t>
+              <a:t>How to create a wizard that will require to enter new customer information step by step?</a:t>
             </a:r>
             <a:endParaRPr lang="en-US" dirty="0"/>
           </a:p>
@@ -30416,7 +30408,7 @@
                 <a14:useLocalDpi xmlns:a14="http://schemas.microsoft.com/office/drawing/2010/main"/>
               </a:ext>
               <a:ext uri="{96DAC541-7B7A-43D3-8B79-37D633B846F1}">
-                <asvg:svgBlip xmlns:asvg="http://schemas.microsoft.com/office/drawing/2016/SVG/main" xmlns="" r:embed="rId5"/>
+                <asvg:svgBlip xmlns="" xmlns:asvg="http://schemas.microsoft.com/office/drawing/2016/SVG/main" r:embed="rId5"/>
               </a:ext>
             </a:extLst>
           </a:blip>
@@ -30866,7 +30858,7 @@
                 <a14:useLocalDpi xmlns:a14="http://schemas.microsoft.com/office/drawing/2010/main"/>
               </a:ext>
               <a:ext uri="{96DAC541-7B7A-43D3-8B79-37D633B846F1}">
-                <asvg:svgBlip xmlns:asvg="http://schemas.microsoft.com/office/drawing/2016/SVG/main" xmlns="" r:embed="rId5"/>
+                <asvg:svgBlip xmlns="" xmlns:asvg="http://schemas.microsoft.com/office/drawing/2016/SVG/main" r:embed="rId5"/>
               </a:ext>
             </a:extLst>
           </a:blip>
@@ -31332,7 +31324,7 @@
                 <a14:useLocalDpi xmlns:a14="http://schemas.microsoft.com/office/drawing/2010/main"/>
               </a:ext>
               <a:ext uri="{96DAC541-7B7A-43D3-8B79-37D633B846F1}">
-                <asvg:svgBlip xmlns:asvg="http://schemas.microsoft.com/office/drawing/2016/SVG/main" xmlns="" r:embed="rId5"/>
+                <asvg:svgBlip xmlns="" xmlns:asvg="http://schemas.microsoft.com/office/drawing/2016/SVG/main" r:embed="rId5"/>
               </a:ext>
             </a:extLst>
           </a:blip>
@@ -31656,6 +31648,36 @@
           </a:p>
         </p:txBody>
       </p:sp>
+      <p:pic>
+        <p:nvPicPr>
+          <p:cNvPr id="7" name="Picture 6"/>
+          <p:cNvPicPr>
+            <a:picLocks noChangeAspect="1"/>
+          </p:cNvPicPr>
+          <p:nvPr/>
+        </p:nvPicPr>
+        <p:blipFill>
+          <a:blip r:embed="rId8">
+            <a:extLst>
+              <a:ext uri="{28A0092B-C50C-407E-A947-70E740481C1C}">
+                <a14:useLocalDpi xmlns:a14="http://schemas.microsoft.com/office/drawing/2010/main" val="0"/>
+              </a:ext>
+            </a:extLst>
+          </a:blip>
+          <a:stretch>
+            <a:fillRect/>
+          </a:stretch>
+        </p:blipFill>
+        <p:spPr>
+          <a:xfrm>
+            <a:off x="6038189" y="1473952"/>
+            <a:ext cx="4629796" cy="3839111"/>
+          </a:xfrm>
+          <a:prstGeom prst="rect">
+            <a:avLst/>
+          </a:prstGeom>
+        </p:spPr>
+      </p:pic>
     </p:spTree>
     <p:extLst>
       <p:ext uri="{BB962C8B-B14F-4D97-AF65-F5344CB8AC3E}">
@@ -34811,18 +34833,7 @@
                   </a:schemeClr>
                 </a:solidFill>
               </a:rPr>
-              <a:t>3. </a:t>
-            </a:r>
-            <a:r>
-              <a:rPr lang="en-US" dirty="0" smtClean="0">
-                <a:solidFill>
-                  <a:schemeClr val="tx1">
-                    <a:lumMod val="75000"/>
-                    <a:lumOff val="25000"/>
-                  </a:schemeClr>
-                </a:solidFill>
-              </a:rPr>
-              <a:t>To load data to pie chart</a:t>
+              <a:t>3. To load data to pie chart</a:t>
             </a:r>
             <a:endParaRPr lang="en-US" dirty="0">
               <a:solidFill>
@@ -37057,7 +37068,6 @@
               <a:rPr lang="en-US" dirty="0" smtClean="0"/>
               <a:t>Manage accounts</a:t>
             </a:r>
-            <a:endParaRPr lang="en-US" dirty="0" smtClean="0"/>
           </a:p>
           <a:p>
             <a:r>
@@ -37082,7 +37092,7 @@
                 <a16:creationId xmlns:a16="http://schemas.microsoft.com/office/drawing/2014/main" id="{62DF6AE8-6133-4C1E-91DD-755705ACF0F1}"/>
               </a:ext>
               <a:ext uri="{C183D7F6-B498-43B3-948B-1728B52AA6E4}">
-                <adec:decorative xmlns:adec="http://schemas.microsoft.com/office/drawing/2017/decorative" xmlns="" val="1"/>
+                <adec:decorative xmlns="" xmlns:adec="http://schemas.microsoft.com/office/drawing/2017/decorative" val="1"/>
               </a:ext>
             </a:extLst>
           </p:cNvPr>
@@ -39376,6 +39386,66 @@
           </a:p>
         </p:txBody>
       </p:sp>
+      <p:pic>
+        <p:nvPicPr>
+          <p:cNvPr id="4" name="Picture 3"/>
+          <p:cNvPicPr>
+            <a:picLocks noChangeAspect="1"/>
+          </p:cNvPicPr>
+          <p:nvPr/>
+        </p:nvPicPr>
+        <p:blipFill>
+          <a:blip r:embed="rId3">
+            <a:extLst>
+              <a:ext uri="{28A0092B-C50C-407E-A947-70E740481C1C}">
+                <a14:useLocalDpi xmlns:a14="http://schemas.microsoft.com/office/drawing/2010/main" val="0"/>
+              </a:ext>
+            </a:extLst>
+          </a:blip>
+          <a:stretch>
+            <a:fillRect/>
+          </a:stretch>
+        </p:blipFill>
+        <p:spPr>
+          <a:xfrm>
+            <a:off x="828067" y="2566126"/>
+            <a:ext cx="4006187" cy="1364744"/>
+          </a:xfrm>
+          <a:prstGeom prst="rect">
+            <a:avLst/>
+          </a:prstGeom>
+        </p:spPr>
+      </p:pic>
+      <p:pic>
+        <p:nvPicPr>
+          <p:cNvPr id="5" name="Picture 4"/>
+          <p:cNvPicPr>
+            <a:picLocks noChangeAspect="1"/>
+          </p:cNvPicPr>
+          <p:nvPr/>
+        </p:nvPicPr>
+        <p:blipFill>
+          <a:blip r:embed="rId4">
+            <a:extLst>
+              <a:ext uri="{28A0092B-C50C-407E-A947-70E740481C1C}">
+                <a14:useLocalDpi xmlns:a14="http://schemas.microsoft.com/office/drawing/2010/main" val="0"/>
+              </a:ext>
+            </a:extLst>
+          </a:blip>
+          <a:stretch>
+            <a:fillRect/>
+          </a:stretch>
+        </p:blipFill>
+        <p:spPr>
+          <a:xfrm>
+            <a:off x="5447829" y="2011314"/>
+            <a:ext cx="4629796" cy="3839111"/>
+          </a:xfrm>
+          <a:prstGeom prst="rect">
+            <a:avLst/>
+          </a:prstGeom>
+        </p:spPr>
+      </p:pic>
     </p:spTree>
     <p:extLst>
       <p:ext uri="{BB962C8B-B14F-4D97-AF65-F5344CB8AC3E}">
@@ -39511,7 +39581,6 @@
               <a:rPr lang="en-US" dirty="0" smtClean="0"/>
               <a:t>Implement interest charge</a:t>
             </a:r>
-            <a:endParaRPr lang="en-US" dirty="0" smtClean="0"/>
           </a:p>
           <a:p>
             <a:endParaRPr lang="en-US" dirty="0"/>
@@ -39547,7 +39616,6 @@
               <a:rPr lang="en-US" dirty="0"/>
               <a:t>standards</a:t>
             </a:r>
-            <a:endParaRPr lang="en-US" dirty="0"/>
           </a:p>
         </p:txBody>
       </p:sp>
@@ -39584,7 +39652,6 @@
               <a:rPr lang="en-US" dirty="0"/>
               <a:t>number, branch number, institution number</a:t>
             </a:r>
-            <a:endParaRPr lang="en-US" dirty="0"/>
           </a:p>
         </p:txBody>
       </p:sp>
@@ -41106,7 +41173,7 @@
                 <a16:creationId xmlns:a16="http://schemas.microsoft.com/office/drawing/2014/main" id="{FE07C9EC-5158-440C-995A-EAC50D3E05DA}"/>
               </a:ext>
               <a:ext uri="{C183D7F6-B498-43B3-948B-1728B52AA6E4}">
-                <adec:decorative xmlns:adec="http://schemas.microsoft.com/office/drawing/2017/decorative" xmlns="" val="1"/>
+                <adec:decorative xmlns="" xmlns:adec="http://schemas.microsoft.com/office/drawing/2017/decorative" val="1"/>
               </a:ext>
             </a:extLst>
           </p:cNvPr>
@@ -41340,7 +41407,7 @@
                 <a16:creationId xmlns:a16="http://schemas.microsoft.com/office/drawing/2014/main" id="{62DF6AE8-6133-4C1E-91DD-755705ACF0F1}"/>
               </a:ext>
               <a:ext uri="{C183D7F6-B498-43B3-948B-1728B52AA6E4}">
-                <adec:decorative xmlns:adec="http://schemas.microsoft.com/office/drawing/2017/decorative" xmlns="" val="1"/>
+                <adec:decorative xmlns="" xmlns:adec="http://schemas.microsoft.com/office/drawing/2017/decorative" val="1"/>
               </a:ext>
             </a:extLst>
           </p:cNvPr>
@@ -44330,7 +44397,7 @@
                 <a14:useLocalDpi xmlns:a14="http://schemas.microsoft.com/office/drawing/2010/main"/>
               </a:ext>
               <a:ext uri="{96DAC541-7B7A-43D3-8B79-37D633B846F1}">
-                <asvg:svgBlip xmlns:asvg="http://schemas.microsoft.com/office/drawing/2016/SVG/main" xmlns="" r:embed="rId5"/>
+                <asvg:svgBlip xmlns="" xmlns:asvg="http://schemas.microsoft.com/office/drawing/2016/SVG/main" r:embed="rId5"/>
               </a:ext>
             </a:extLst>
           </a:blip>
@@ -44643,7 +44710,7 @@
       </p:sp>
       <p:pic>
         <p:nvPicPr>
-          <p:cNvPr id="13" name="Picture 12"/>
+          <p:cNvPr id="14" name="Picture 13"/>
           <p:cNvPicPr>
             <a:picLocks noChangeAspect="1"/>
           </p:cNvPicPr>
@@ -44651,36 +44718,6 @@
         </p:nvPicPr>
         <p:blipFill>
           <a:blip r:embed="rId7">
-            <a:extLst>
-              <a:ext uri="{28A0092B-C50C-407E-A947-70E740481C1C}">
-                <a14:useLocalDpi xmlns:a14="http://schemas.microsoft.com/office/drawing/2010/main" val="0"/>
-              </a:ext>
-            </a:extLst>
-          </a:blip>
-          <a:stretch>
-            <a:fillRect/>
-          </a:stretch>
-        </p:blipFill>
-        <p:spPr>
-          <a:xfrm>
-            <a:off x="5596561" y="1914096"/>
-            <a:ext cx="6073965" cy="2952193"/>
-          </a:xfrm>
-          <a:prstGeom prst="rect">
-            <a:avLst/>
-          </a:prstGeom>
-        </p:spPr>
-      </p:pic>
-      <p:pic>
-        <p:nvPicPr>
-          <p:cNvPr id="14" name="Picture 13"/>
-          <p:cNvPicPr>
-            <a:picLocks noChangeAspect="1"/>
-          </p:cNvPicPr>
-          <p:nvPr/>
-        </p:nvPicPr>
-        <p:blipFill>
-          <a:blip r:embed="rId8">
             <a:duotone>
               <a:schemeClr val="accent2">
                 <a:shade val="45000"/>
@@ -44702,6 +44739,36 @@
           <a:xfrm>
             <a:off x="2380086" y="3205820"/>
             <a:ext cx="454572" cy="454572"/>
+          </a:xfrm>
+          <a:prstGeom prst="rect">
+            <a:avLst/>
+          </a:prstGeom>
+        </p:spPr>
+      </p:pic>
+      <p:pic>
+        <p:nvPicPr>
+          <p:cNvPr id="8" name="Picture 7"/>
+          <p:cNvPicPr>
+            <a:picLocks noChangeAspect="1"/>
+          </p:cNvPicPr>
+          <p:nvPr/>
+        </p:nvPicPr>
+        <p:blipFill>
+          <a:blip r:embed="rId8">
+            <a:extLst>
+              <a:ext uri="{28A0092B-C50C-407E-A947-70E740481C1C}">
+                <a14:useLocalDpi xmlns:a14="http://schemas.microsoft.com/office/drawing/2010/main" val="0"/>
+              </a:ext>
+            </a:extLst>
+          </a:blip>
+          <a:stretch>
+            <a:fillRect/>
+          </a:stretch>
+        </p:blipFill>
+        <p:spPr>
+          <a:xfrm>
+            <a:off x="4931199" y="2212211"/>
+            <a:ext cx="6781170" cy="2288858"/>
           </a:xfrm>
           <a:prstGeom prst="rect">
             <a:avLst/>
@@ -45576,20 +45643,20 @@
 </file>
 
 <file path=customXml/item1.xml><?xml version="1.0" encoding="utf-8"?>
-<p:properties xmlns:p="http://schemas.microsoft.com/office/2006/metadata/properties" xmlns:xsi="http://www.w3.org/2001/XMLSchema-instance" xmlns:pc="http://schemas.microsoft.com/office/infopath/2007/PartnerControls">
-  <documentManagement>
-    <MediaServiceKeyPoints xmlns="71af3243-3dd4-4a8d-8c0d-dd76da1f02a5" xsi:nil="true"/>
-  </documentManagement>
-</p:properties>
-</file>
-
-<file path=customXml/item2.xml><?xml version="1.0" encoding="utf-8"?>
 <?mso-contentType ?>
 <FormTemplates xmlns="http://schemas.microsoft.com/sharepoint/v3/contenttype/forms">
   <Display>DocumentLibraryForm</Display>
   <Edit>DocumentLibraryForm</Edit>
   <New>DocumentLibraryForm</New>
 </FormTemplates>
+</file>
+
+<file path=customXml/item2.xml><?xml version="1.0" encoding="utf-8"?>
+<p:properties xmlns:p="http://schemas.microsoft.com/office/2006/metadata/properties" xmlns:xsi="http://www.w3.org/2001/XMLSchema-instance" xmlns:pc="http://schemas.microsoft.com/office/infopath/2007/PartnerControls">
+  <documentManagement>
+    <MediaServiceKeyPoints xmlns="71af3243-3dd4-4a8d-8c0d-dd76da1f02a5" xsi:nil="true"/>
+  </documentManagement>
+</p:properties>
 </file>
 
 <file path=customXml/item3.xml><?xml version="1.0" encoding="utf-8"?>
@@ -45804,6 +45871,14 @@
 </file>
 
 <file path=customXml/itemProps1.xml><?xml version="1.0" encoding="utf-8"?>
+<ds:datastoreItem xmlns:ds="http://schemas.openxmlformats.org/officeDocument/2006/customXml" ds:itemID="{19BF51BA-BD97-4518-9266-AD3D61549834}">
+  <ds:schemaRefs>
+    <ds:schemaRef ds:uri="http://schemas.microsoft.com/sharepoint/v3/contenttype/forms"/>
+  </ds:schemaRefs>
+</ds:datastoreItem>
+</file>
+
+<file path=customXml/itemProps2.xml><?xml version="1.0" encoding="utf-8"?>
 <ds:datastoreItem xmlns:ds="http://schemas.openxmlformats.org/officeDocument/2006/customXml" ds:itemID="{5F490261-1200-4EC7-95B0-2241EE54AA34}">
   <ds:schemaRefs>
     <ds:schemaRef ds:uri="http://schemas.microsoft.com/office/2006/metadata/properties"/>
@@ -45816,14 +45891,6 @@
     <ds:schemaRef ds:uri="http://schemas.microsoft.com/office/infopath/2007/PartnerControls"/>
     <ds:schemaRef ds:uri="71af3243-3dd4-4a8d-8c0d-dd76da1f02a5"/>
     <ds:schemaRef ds:uri="http://purl.org/dc/dcmitype/"/>
-  </ds:schemaRefs>
-</ds:datastoreItem>
-</file>
-
-<file path=customXml/itemProps2.xml><?xml version="1.0" encoding="utf-8"?>
-<ds:datastoreItem xmlns:ds="http://schemas.openxmlformats.org/officeDocument/2006/customXml" ds:itemID="{19BF51BA-BD97-4518-9266-AD3D61549834}">
-  <ds:schemaRefs>
-    <ds:schemaRef ds:uri="http://schemas.microsoft.com/sharepoint/v3/contenttype/forms"/>
   </ds:schemaRefs>
 </ds:datastoreItem>
 </file>
